--- a/Lectures/Lecture 11 - Adv DNA Sequencing.pptx
+++ b/Lectures/Lecture 11 - Adv DNA Sequencing.pptx
@@ -5756,7 +5756,7 @@
           <a:noFill/>
           <a:extLst>
             <a:ext uri="{909E8E84-426E-40dd-AFC4-6F175D3DCCD1}">
-              <a14:hiddenFill xmlns:a14="http://schemas.microsoft.com/office/drawing/2010/main" xmlns="">
+              <a14:hiddenFill xmlns="" xmlns:a14="http://schemas.microsoft.com/office/drawing/2010/main">
                 <a:solidFill>
                   <a:srgbClr val="FFFFFF"/>
                 </a:solidFill>
@@ -6831,82 +6831,9 @@
             <a:pPr algn="l" eaLnBrk="1" hangingPunct="1"/>
             <a:r>
               <a:rPr lang="en-US" sz="3200" b="1" dirty="0"/>
-              <a:t>Next Week</a:t>
+              <a:t>Exam Preparation Session</a:t>
             </a:r>
             <a:endParaRPr lang="en-US" sz="3200" dirty="0"/>
-          </a:p>
-        </p:txBody>
-      </p:sp>
-      <p:sp>
-        <p:nvSpPr>
-          <p:cNvPr id="6" name="TextBox 5"/>
-          <p:cNvSpPr txBox="1"/>
-          <p:nvPr/>
-        </p:nvSpPr>
-        <p:spPr>
-          <a:xfrm>
-            <a:off x="323528" y="1221720"/>
-            <a:ext cx="8424936" cy="1631216"/>
-          </a:xfrm>
-          <a:prstGeom prst="rect">
-            <a:avLst/>
-          </a:prstGeom>
-          <a:noFill/>
-          <a:ln>
-            <a:noFill/>
-          </a:ln>
-        </p:spPr>
-        <p:txBody>
-          <a:bodyPr wrap="square" rtlCol="0">
-            <a:spAutoFit/>
-          </a:bodyPr>
-          <a:lstStyle/>
-          <a:p>
-            <a:pPr marL="342900" indent="-342900">
-              <a:buFont typeface="Arial"/>
-              <a:buChar char="•"/>
-            </a:pPr>
-            <a:r>
-              <a:rPr lang="en-US" sz="2000" dirty="0"/>
-              <a:t>Monday </a:t>
-            </a:r>
-          </a:p>
-          <a:p>
-            <a:pPr marL="800100" lvl="1" indent="-342900">
-              <a:buFont typeface="Arial"/>
-              <a:buChar char="•"/>
-            </a:pPr>
-            <a:r>
-              <a:rPr lang="en-US" sz="2000" dirty="0"/>
-              <a:t>open review &amp; exam preparation session</a:t>
-            </a:r>
-          </a:p>
-          <a:p>
-            <a:pPr marL="800100" lvl="1" indent="-342900">
-              <a:buFont typeface="Arial"/>
-              <a:buChar char="•"/>
-            </a:pPr>
-            <a:r>
-              <a:rPr lang="en-US" sz="2000" dirty="0"/>
-              <a:t>essay assignment due at 11:59 pm</a:t>
-            </a:r>
-          </a:p>
-          <a:p>
-            <a:pPr marL="342900" indent="-342900">
-              <a:buFont typeface="Arial"/>
-              <a:buChar char="•"/>
-            </a:pPr>
-            <a:endParaRPr lang="en-US" sz="2000" dirty="0"/>
-          </a:p>
-          <a:p>
-            <a:pPr marL="342900" indent="-342900">
-              <a:buFont typeface="Arial"/>
-              <a:buChar char="•"/>
-            </a:pPr>
-            <a:r>
-              <a:rPr lang="en-US" sz="2000" dirty="0"/>
-              <a:t>Exam is Thursday, December 13th 7:30-9:30 pm</a:t>
-            </a:r>
           </a:p>
         </p:txBody>
       </p:sp>
